--- a/09News/06History/2024.pptx
+++ b/09News/06History/2024.pptx
@@ -240,7 +240,7 @@
           <a:p>
             <a:fld id="{E8CF71B8-DF2A-2E41-BE66-2E18A767DA8A}" type="datetimeFigureOut">
               <a:rPr lang="en-US" smtClean="0"/>
-              <a:t>1/27/25</a:t>
+              <a:t>1/28/25</a:t>
             </a:fld>
             <a:endParaRPr lang="en-US"/>
           </a:p>
@@ -417,7 +417,7 @@
           <a:p>
             <a:fld id="{0DD60A27-BF12-6744-9E93-932A0E34D8BB}" type="datetimeFigureOut">
               <a:rPr lang="en-US" smtClean="0"/>
-              <a:t>1/27/25</a:t>
+              <a:t>1/28/25</a:t>
             </a:fld>
             <a:endParaRPr lang="en-US"/>
           </a:p>
@@ -32643,14 +32643,38 @@
               </a:buClr>
             </a:pPr>
             <a:r>
-              <a:rPr lang="en-US" altLang="zh-CN" sz="8800" dirty="0">
+              <a:rPr lang="zh-CN" altLang="en-US" sz="8800" dirty="0">
                 <a:solidFill>
                   <a:schemeClr val="bg1"/>
                 </a:solidFill>
                 <a:latin typeface="Lexend" pitchFamily="2" charset="0"/>
               </a:rPr>
-              <a:t>2024 AI</a:t>
-            </a:r>
+              <a:t>过去 </a:t>
+            </a:r>
+            <a:r>
+              <a:rPr lang="en-US" altLang="zh-CN" sz="8800" dirty="0">
+                <a:solidFill>
+                  <a:schemeClr val="bg1"/>
+                </a:solidFill>
+                <a:latin typeface="Lexend" pitchFamily="2" charset="0"/>
+              </a:rPr>
+              <a:t>10 </a:t>
+            </a:r>
+            <a:r>
+              <a:rPr lang="zh-CN" altLang="en-US" sz="8800" dirty="0">
+                <a:solidFill>
+                  <a:schemeClr val="bg1"/>
+                </a:solidFill>
+                <a:latin typeface="Lexend" pitchFamily="2" charset="0"/>
+              </a:rPr>
+              <a:t>年</a:t>
+            </a:r>
+            <a:endParaRPr lang="en-US" altLang="zh-CN" sz="8800" dirty="0">
+              <a:solidFill>
+                <a:schemeClr val="bg1"/>
+              </a:solidFill>
+              <a:latin typeface="Lexend" pitchFamily="2" charset="0"/>
+            </a:endParaRPr>
           </a:p>
           <a:p>
             <a:pPr marL="50800" algn="ctr">
@@ -32659,12 +32683,38 @@
               </a:buClr>
             </a:pPr>
             <a:r>
+              <a:rPr lang="en-US" altLang="zh-CN" sz="8800" dirty="0">
+                <a:solidFill>
+                  <a:schemeClr val="bg1"/>
+                </a:solidFill>
+                <a:latin typeface="Lexend" pitchFamily="2" charset="0"/>
+              </a:rPr>
+              <a:t> AI</a:t>
+            </a:r>
+            <a:r>
+              <a:rPr lang="zh-CN" altLang="en-US" sz="8800">
+                <a:solidFill>
+                  <a:schemeClr val="bg1"/>
+                </a:solidFill>
+                <a:latin typeface="Lexend" pitchFamily="2" charset="0"/>
+              </a:rPr>
+              <a:t> </a:t>
+            </a:r>
+            <a:r>
+              <a:rPr lang="zh-CN" altLang="en-US" sz="8800">
+                <a:solidFill>
+                  <a:schemeClr val="bg1"/>
+                </a:solidFill>
+              </a:rPr>
+              <a:t>大</a:t>
+            </a:r>
+            <a:r>
               <a:rPr lang="zh-CN" altLang="en-US" sz="8800" dirty="0">
                 <a:solidFill>
                   <a:schemeClr val="bg1"/>
                 </a:solidFill>
               </a:rPr>
-              <a:t>大事件</a:t>
+              <a:t>事件</a:t>
             </a:r>
           </a:p>
         </p:txBody>
